--- a/Day3/Terraform_3.pptx
+++ b/Day3/Terraform_3.pptx
@@ -5840,32 +5840,10 @@
           <a:bodyPr/>
           <a:lstStyle/>
           <a:p>
-            <a:endParaRPr lang="en-US" dirty="0"/>
-          </a:p>
-        </p:txBody>
-      </p:sp>
-      <p:sp>
-        <p:nvSpPr>
-          <p:cNvPr id="3" name="Subtitle 2">
-            <a:extLst>
-              <a:ext uri="{FF2B5EF4-FFF2-40B4-BE49-F238E27FC236}">
-                <a16:creationId xmlns:a16="http://schemas.microsoft.com/office/drawing/2014/main" id="{18DB681A-8B8E-6D4D-80B8-0E1FB835E380}"/>
-              </a:ext>
-            </a:extLst>
-          </p:cNvPr>
-          <p:cNvSpPr>
-            <a:spLocks noGrp="1"/>
-          </p:cNvSpPr>
-          <p:nvPr>
-            <p:ph type="subTitle" idx="1"/>
-          </p:nvPr>
-        </p:nvSpPr>
-        <p:spPr/>
-        <p:txBody>
-          <a:bodyPr/>
-          <a:lstStyle/>
-          <a:p>
-            <a:endParaRPr lang="en-US"/>
+            <a:r>
+              <a:rPr lang="en-US" sz="3600" dirty="0"/>
+              <a:t>Update config with more resources</a:t>
+            </a:r>
           </a:p>
         </p:txBody>
       </p:sp>
